--- a/2. Operating Systems.pptx
+++ b/2. Operating Systems.pptx
@@ -5,7 +5,7 @@
     <p:sldMasterId id="2147483714" r:id="rId1"/>
   </p:sldMasterIdLst>
   <p:notesMasterIdLst>
-    <p:notesMasterId r:id="rId30"/>
+    <p:notesMasterId r:id="rId39"/>
   </p:notesMasterIdLst>
   <p:sldIdLst>
     <p:sldId id="256" r:id="rId2"/>
@@ -35,7 +35,16 @@
     <p:sldId id="319" r:id="rId26"/>
     <p:sldId id="320" r:id="rId27"/>
     <p:sldId id="321" r:id="rId28"/>
-    <p:sldId id="296" r:id="rId29"/>
+    <p:sldId id="322" r:id="rId29"/>
+    <p:sldId id="323" r:id="rId30"/>
+    <p:sldId id="324" r:id="rId31"/>
+    <p:sldId id="325" r:id="rId32"/>
+    <p:sldId id="326" r:id="rId33"/>
+    <p:sldId id="327" r:id="rId34"/>
+    <p:sldId id="329" r:id="rId35"/>
+    <p:sldId id="328" r:id="rId36"/>
+    <p:sldId id="330" r:id="rId37"/>
+    <p:sldId id="296" r:id="rId38"/>
   </p:sldIdLst>
   <p:sldSz cx="12192000" cy="6858000"/>
   <p:notesSz cx="6858000" cy="9144000"/>
@@ -224,7 +233,7 @@
           <a:p>
             <a:fld id="{1DD3D69D-1DA5-4A0B-B46E-850DB3ED1690}" type="datetimeFigureOut">
               <a:rPr lang="en-GB" smtClean="0"/>
-              <a:t>16/08/2019</a:t>
+              <a:t>18/08/2019</a:t>
             </a:fld>
             <a:endParaRPr lang="en-GB"/>
           </a:p>
@@ -1065,7 +1074,7 @@
           <a:p>
             <a:fld id="{7CA486B6-CB69-49E4-A733-DA4993E70B6A}" type="datetime1">
               <a:rPr lang="en-GB" smtClean="0"/>
-              <a:t>16/08/2019</a:t>
+              <a:t>18/08/2019</a:t>
             </a:fld>
             <a:endParaRPr lang="en-GB"/>
           </a:p>
@@ -1403,7 +1412,7 @@
           <a:p>
             <a:fld id="{38743E51-4C26-4A8B-B8E5-428168E46B07}" type="datetime1">
               <a:rPr lang="en-GB" smtClean="0"/>
-              <a:t>16/08/2019</a:t>
+              <a:t>18/08/2019</a:t>
             </a:fld>
             <a:endParaRPr lang="en-GB"/>
           </a:p>
@@ -1804,7 +1813,7 @@
           <a:p>
             <a:fld id="{0A77763B-E2EC-44E8-94A6-6A2CDF82B039}" type="datetime1">
               <a:rPr lang="en-GB" smtClean="0"/>
-              <a:t>16/08/2019</a:t>
+              <a:t>18/08/2019</a:t>
             </a:fld>
             <a:endParaRPr lang="en-GB"/>
           </a:p>
@@ -2140,7 +2149,7 @@
           <a:p>
             <a:fld id="{69BC4BD8-9364-4E34-9588-E20BE1EA3CFF}" type="datetime1">
               <a:rPr lang="en-GB" smtClean="0"/>
-              <a:t>16/08/2019</a:t>
+              <a:t>18/08/2019</a:t>
             </a:fld>
             <a:endParaRPr lang="en-GB"/>
           </a:p>
@@ -2460,7 +2469,7 @@
           <a:p>
             <a:fld id="{18A91B13-0429-41BF-98C8-B13727F95413}" type="datetime1">
               <a:rPr lang="en-GB" smtClean="0"/>
-              <a:t>16/08/2019</a:t>
+              <a:t>18/08/2019</a:t>
             </a:fld>
             <a:endParaRPr lang="en-GB"/>
           </a:p>
@@ -2856,7 +2865,7 @@
           <a:p>
             <a:fld id="{ABAB2332-BF8E-4D05-98C0-095443A87B85}" type="datetime1">
               <a:rPr lang="en-GB" smtClean="0"/>
-              <a:t>16/08/2019</a:t>
+              <a:t>18/08/2019</a:t>
             </a:fld>
             <a:endParaRPr lang="en-GB"/>
           </a:p>
@@ -3113,7 +3122,7 @@
           <a:p>
             <a:fld id="{62660E21-5CD3-4BCC-A747-808608D5DE92}" type="datetime1">
               <a:rPr lang="en-GB" smtClean="0"/>
-              <a:t>16/08/2019</a:t>
+              <a:t>18/08/2019</a:t>
             </a:fld>
             <a:endParaRPr lang="en-GB"/>
           </a:p>
@@ -3375,7 +3384,7 @@
           <a:p>
             <a:fld id="{0379C347-A422-4CC2-8F37-0399C39C5D8B}" type="datetime1">
               <a:rPr lang="en-GB" smtClean="0"/>
-              <a:t>16/08/2019</a:t>
+              <a:t>18/08/2019</a:t>
             </a:fld>
             <a:endParaRPr lang="en-GB"/>
           </a:p>
@@ -3637,7 +3646,7 @@
           <a:p>
             <a:fld id="{56D2FE55-23AF-4A90-B0CC-AC536819D4B6}" type="datetime1">
               <a:rPr lang="en-GB" smtClean="0"/>
-              <a:t>16/08/2019</a:t>
+              <a:t>18/08/2019</a:t>
             </a:fld>
             <a:endParaRPr lang="en-GB"/>
           </a:p>
@@ -3966,7 +3975,7 @@
           <a:p>
             <a:fld id="{F631D486-59D6-422C-A68E-81A1CE087CC6}" type="datetime1">
               <a:rPr lang="en-GB" smtClean="0"/>
-              <a:t>16/08/2019</a:t>
+              <a:t>18/08/2019</a:t>
             </a:fld>
             <a:endParaRPr lang="en-GB"/>
           </a:p>
@@ -4289,7 +4298,7 @@
           <a:p>
             <a:fld id="{22D3B727-FD63-4FFC-A3A7-532B8154388E}" type="datetime1">
               <a:rPr lang="en-GB" smtClean="0"/>
-              <a:t>16/08/2019</a:t>
+              <a:t>18/08/2019</a:t>
             </a:fld>
             <a:endParaRPr lang="en-GB"/>
           </a:p>
@@ -4746,7 +4755,7 @@
           <a:p>
             <a:fld id="{372EED55-65AA-4DBE-B51D-5136BCEB1F05}" type="datetime1">
               <a:rPr lang="en-GB" smtClean="0"/>
-              <a:t>16/08/2019</a:t>
+              <a:t>18/08/2019</a:t>
             </a:fld>
             <a:endParaRPr lang="en-GB"/>
           </a:p>
@@ -4951,7 +4960,7 @@
           <a:p>
             <a:fld id="{F58D153E-1FAC-4293-B8EF-BB84ACF2593E}" type="datetime1">
               <a:rPr lang="en-GB" smtClean="0"/>
-              <a:t>16/08/2019</a:t>
+              <a:t>18/08/2019</a:t>
             </a:fld>
             <a:endParaRPr lang="en-GB"/>
           </a:p>
@@ -5128,7 +5137,7 @@
           <a:p>
             <a:fld id="{75F82F3D-D781-4D3A-8D9A-FBE81A576EC1}" type="datetime1">
               <a:rPr lang="en-GB" smtClean="0"/>
-              <a:t>16/08/2019</a:t>
+              <a:t>18/08/2019</a:t>
             </a:fld>
             <a:endParaRPr lang="en-GB"/>
           </a:p>
@@ -5461,7 +5470,7 @@
           <a:p>
             <a:fld id="{4456290A-73A6-4102-9E55-84CE7DF5E8F2}" type="datetime1">
               <a:rPr lang="en-GB" smtClean="0"/>
-              <a:t>16/08/2019</a:t>
+              <a:t>18/08/2019</a:t>
             </a:fld>
             <a:endParaRPr lang="en-GB"/>
           </a:p>
@@ -5806,7 +5815,7 @@
           <a:p>
             <a:fld id="{23DA2E75-A9F2-47CE-9C54-A8FBB060AAF6}" type="datetime1">
               <a:rPr lang="en-GB" smtClean="0"/>
-              <a:t>16/08/2019</a:t>
+              <a:t>18/08/2019</a:t>
             </a:fld>
             <a:endParaRPr lang="en-GB"/>
           </a:p>
@@ -7923,7 +7932,7 @@
           <a:p>
             <a:fld id="{31733216-8D79-47DA-B990-66DBC8D82E12}" type="datetime1">
               <a:rPr lang="en-GB" smtClean="0"/>
-              <a:t>16/08/2019</a:t>
+              <a:t>18/08/2019</a:t>
             </a:fld>
             <a:endParaRPr lang="en-GB"/>
           </a:p>
@@ -11410,6 +11419,31 @@
       </p:grpSpPr>
       <p:sp>
         <p:nvSpPr>
+          <p:cNvPr id="2" name="Title 1"/>
+          <p:cNvSpPr>
+            <a:spLocks noGrp="1"/>
+          </p:cNvSpPr>
+          <p:nvPr>
+            <p:ph type="title"/>
+          </p:nvPr>
+        </p:nvSpPr>
+        <p:spPr/>
+        <p:txBody>
+          <a:bodyPr>
+            <a:normAutofit/>
+          </a:bodyPr>
+          <a:lstStyle/>
+          <a:p>
+            <a:r>
+              <a:rPr lang="en-GB" sz="2800" b="1" dirty="0"/>
+              <a:t>1.6 Production and Supply Chain Management </a:t>
+            </a:r>
+            <a:endParaRPr lang="en-GB" sz="2800" dirty="0"/>
+          </a:p>
+        </p:txBody>
+      </p:sp>
+      <p:sp>
+        <p:nvSpPr>
           <p:cNvPr id="3" name="Content Placeholder 2"/>
           <p:cNvSpPr>
             <a:spLocks noGrp="1"/>
@@ -11420,44 +11454,31 @@
         </p:nvSpPr>
         <p:spPr/>
         <p:txBody>
-          <a:bodyPr>
-            <a:normAutofit fontScale="92500"/>
-          </a:bodyPr>
+          <a:bodyPr/>
           <a:lstStyle/>
           <a:p>
             <a:pPr marL="0" indent="0">
               <a:buNone/>
             </a:pPr>
-            <a:endParaRPr lang="en-US" dirty="0" smtClean="0"/>
+            <a:r>
+              <a:rPr lang="en-GB" dirty="0"/>
+              <a:t>Production and supply chain management systems follow a systematic process for developing a production plan that draws on the information available in the system database. The process starts with sales forecasting to develop an estimate of future customer demand. This initial forecast is at a fairly high level with estimates made by product group rather than by each individual product item. </a:t>
+            </a:r>
+            <a:endParaRPr lang="en-GB" dirty="0" smtClean="0"/>
           </a:p>
           <a:p>
             <a:pPr marL="0" indent="0">
               <a:buNone/>
             </a:pPr>
-            <a:endParaRPr lang="en-US" dirty="0"/>
-          </a:p>
-          <a:p>
-            <a:pPr marL="0" indent="0">
-              <a:buNone/>
-            </a:pPr>
-            <a:endParaRPr lang="en-US" dirty="0" smtClean="0"/>
-          </a:p>
-          <a:p>
-            <a:pPr marL="0" indent="0">
-              <a:buNone/>
-            </a:pPr>
-            <a:r>
-              <a:rPr lang="en-US" sz="3200" dirty="0"/>
-              <a:t> </a:t>
-            </a:r>
-            <a:r>
-              <a:rPr lang="en-US" sz="3200" dirty="0" smtClean="0"/>
-              <a:t>                </a:t>
-            </a:r>
-            <a:r>
-              <a:rPr lang="en-US" sz="7200" b="1" dirty="0" smtClean="0"/>
-              <a:t>Continues in the next set of slides</a:t>
-            </a:r>
+            <a:r>
+              <a:rPr lang="en-GB" dirty="0" smtClean="0"/>
+              <a:t>The </a:t>
+            </a:r>
+            <a:r>
+              <a:rPr lang="en-GB" dirty="0"/>
+              <a:t>sales forecast extends for months into the future. The sales forecast will be produced using specialized software and techniques. Many organizations are moving to a collaborative process with major customers to plan future inventory levels and production rather than relying on an internally generated sales forecast. </a:t>
+            </a:r>
+            <a:endParaRPr lang="en-GB" dirty="0"/>
           </a:p>
         </p:txBody>
       </p:sp>
@@ -11487,20 +11508,186 @@
     </p:spTree>
     <p:extLst>
       <p:ext uri="{BB962C8B-B14F-4D97-AF65-F5344CB8AC3E}">
-        <p14:creationId xmlns:p14="http://schemas.microsoft.com/office/powerpoint/2010/main" val="2863848282"/>
+        <p14:creationId xmlns:p14="http://schemas.microsoft.com/office/powerpoint/2010/main" val="2524946042"/>
       </p:ext>
     </p:extLst>
   </p:cSld>
   <p:clrMapOvr>
     <a:masterClrMapping/>
   </p:clrMapOvr>
-  <p:timing>
-    <p:tnLst>
-      <p:par>
-        <p:cTn id="1" dur="indefinite" restart="never" nodeType="tmRoot"/>
-      </p:par>
-    </p:tnLst>
-  </p:timing>
+</p:sld>
+</file>
+
+<file path=ppt/slides/slide29.xml><?xml version="1.0" encoding="utf-8"?>
+<p:sld xmlns:a="http://schemas.openxmlformats.org/drawingml/2006/main" xmlns:r="http://schemas.openxmlformats.org/officeDocument/2006/relationships" xmlns:p="http://schemas.openxmlformats.org/presentationml/2006/main">
+  <p:cSld>
+    <p:spTree>
+      <p:nvGrpSpPr>
+        <p:cNvPr id="1" name=""/>
+        <p:cNvGrpSpPr/>
+        <p:nvPr/>
+      </p:nvGrpSpPr>
+      <p:grpSpPr>
+        <a:xfrm>
+          <a:off x="0" y="0"/>
+          <a:ext cx="0" cy="0"/>
+          <a:chOff x="0" y="0"/>
+          <a:chExt cx="0" cy="0"/>
+        </a:xfrm>
+      </p:grpSpPr>
+      <p:sp>
+        <p:nvSpPr>
+          <p:cNvPr id="2" name="Title 1"/>
+          <p:cNvSpPr>
+            <a:spLocks noGrp="1"/>
+          </p:cNvSpPr>
+          <p:nvPr>
+            <p:ph type="title"/>
+          </p:nvPr>
+        </p:nvSpPr>
+        <p:spPr/>
+        <p:txBody>
+          <a:bodyPr>
+            <a:normAutofit/>
+          </a:bodyPr>
+          <a:lstStyle/>
+          <a:p>
+            <a:r>
+              <a:rPr lang="en-GB" sz="2800" b="1" dirty="0"/>
+              <a:t>1.6 Production and Supply Chain Management </a:t>
+            </a:r>
+            <a:endParaRPr lang="en-GB" sz="2800" dirty="0"/>
+          </a:p>
+        </p:txBody>
+      </p:sp>
+      <p:sp>
+        <p:nvSpPr>
+          <p:cNvPr id="3" name="Content Placeholder 2"/>
+          <p:cNvSpPr>
+            <a:spLocks noGrp="1"/>
+          </p:cNvSpPr>
+          <p:nvPr>
+            <p:ph idx="1"/>
+          </p:nvPr>
+        </p:nvSpPr>
+        <p:spPr/>
+        <p:txBody>
+          <a:bodyPr/>
+          <a:lstStyle/>
+          <a:p>
+            <a:pPr marL="0" indent="0">
+              <a:buNone/>
+            </a:pPr>
+            <a:r>
+              <a:rPr lang="en-GB" dirty="0" smtClean="0">
+                <a:solidFill>
+                  <a:schemeClr val="tx1"/>
+                </a:solidFill>
+              </a:rPr>
+              <a:t>What is Sales </a:t>
+            </a:r>
+            <a:r>
+              <a:rPr lang="en-GB" dirty="0">
+                <a:solidFill>
+                  <a:schemeClr val="tx1"/>
+                </a:solidFill>
+              </a:rPr>
+              <a:t>forecasting </a:t>
+            </a:r>
+            <a:r>
+              <a:rPr lang="en-GB" dirty="0" smtClean="0">
+                <a:solidFill>
+                  <a:schemeClr val="tx1"/>
+                </a:solidFill>
+              </a:rPr>
+              <a:t>?</a:t>
+            </a:r>
+          </a:p>
+          <a:p>
+            <a:pPr marL="0" indent="0">
+              <a:buNone/>
+            </a:pPr>
+            <a:r>
+              <a:rPr lang="en-GB" dirty="0" smtClean="0">
+                <a:solidFill>
+                  <a:schemeClr val="tx1"/>
+                </a:solidFill>
+              </a:rPr>
+              <a:t>It is </a:t>
+            </a:r>
+            <a:r>
+              <a:rPr lang="en-GB" dirty="0">
+                <a:solidFill>
+                  <a:schemeClr val="tx1"/>
+                </a:solidFill>
+              </a:rPr>
+              <a:t>the process of estimating future sales. Accurate sales forecasts enable companies to make informed business decisions and predict short-term and long-term performance. Companies can base their forecasts on past sales data, industry-wide comparisons, and economic trends.</a:t>
+            </a:r>
+          </a:p>
+          <a:p>
+            <a:pPr marL="0" indent="0">
+              <a:buNone/>
+            </a:pPr>
+            <a:r>
+              <a:rPr lang="en-GB" dirty="0">
+                <a:solidFill>
+                  <a:schemeClr val="tx1"/>
+                </a:solidFill>
+              </a:rPr>
+              <a:t>It is easier for established companies to predict future sales based on years of past business data. Newly founded companies have to base their forecasts on less-verified information, such as market research and competitive </a:t>
+            </a:r>
+            <a:r>
+              <a:rPr lang="en-GB" dirty="0" smtClean="0">
+                <a:solidFill>
+                  <a:schemeClr val="tx1"/>
+                </a:solidFill>
+              </a:rPr>
+              <a:t>intelligence to </a:t>
+            </a:r>
+            <a:r>
+              <a:rPr lang="en-GB" dirty="0">
+                <a:solidFill>
+                  <a:schemeClr val="tx1"/>
+                </a:solidFill>
+              </a:rPr>
+              <a:t>forecast their future business</a:t>
+            </a:r>
+          </a:p>
+        </p:txBody>
+      </p:sp>
+      <p:sp>
+        <p:nvSpPr>
+          <p:cNvPr id="4" name="Slide Number Placeholder 3"/>
+          <p:cNvSpPr>
+            <a:spLocks noGrp="1"/>
+          </p:cNvSpPr>
+          <p:nvPr>
+            <p:ph type="sldNum" sz="quarter" idx="12"/>
+          </p:nvPr>
+        </p:nvSpPr>
+        <p:spPr/>
+        <p:txBody>
+          <a:bodyPr/>
+          <a:lstStyle/>
+          <a:p>
+            <a:fld id="{E0912816-C430-4136-9554-B45F9367BD57}" type="slidenum">
+              <a:rPr lang="en-GB" smtClean="0"/>
+              <a:t>29</a:t>
+            </a:fld>
+            <a:endParaRPr lang="en-GB"/>
+          </a:p>
+        </p:txBody>
+      </p:sp>
+    </p:spTree>
+    <p:extLst>
+      <p:ext uri="{BB962C8B-B14F-4D97-AF65-F5344CB8AC3E}">
+        <p14:creationId xmlns:p14="http://schemas.microsoft.com/office/powerpoint/2010/main" val="774277441"/>
+      </p:ext>
+    </p:extLst>
+  </p:cSld>
+  <p:clrMapOvr>
+    <a:masterClrMapping/>
+  </p:clrMapOvr>
 </p:sld>
 </file>
 
@@ -11611,6 +11798,1139 @@
     <p:extLst>
       <p:ext uri="{BB962C8B-B14F-4D97-AF65-F5344CB8AC3E}">
         <p14:creationId xmlns:p14="http://schemas.microsoft.com/office/powerpoint/2010/main" val="2293934398"/>
+      </p:ext>
+    </p:extLst>
+  </p:cSld>
+  <p:clrMapOvr>
+    <a:masterClrMapping/>
+  </p:clrMapOvr>
+  <p:timing>
+    <p:tnLst>
+      <p:par>
+        <p:cTn id="1" dur="indefinite" restart="never" nodeType="tmRoot"/>
+      </p:par>
+    </p:tnLst>
+  </p:timing>
+</p:sld>
+</file>
+
+<file path=ppt/slides/slide30.xml><?xml version="1.0" encoding="utf-8"?>
+<p:sld xmlns:a="http://schemas.openxmlformats.org/drawingml/2006/main" xmlns:r="http://schemas.openxmlformats.org/officeDocument/2006/relationships" xmlns:p="http://schemas.openxmlformats.org/presentationml/2006/main">
+  <p:cSld>
+    <p:spTree>
+      <p:nvGrpSpPr>
+        <p:cNvPr id="1" name=""/>
+        <p:cNvGrpSpPr/>
+        <p:nvPr/>
+      </p:nvGrpSpPr>
+      <p:grpSpPr>
+        <a:xfrm>
+          <a:off x="0" y="0"/>
+          <a:ext cx="0" cy="0"/>
+          <a:chOff x="0" y="0"/>
+          <a:chExt cx="0" cy="0"/>
+        </a:xfrm>
+      </p:grpSpPr>
+      <p:sp>
+        <p:nvSpPr>
+          <p:cNvPr id="2" name="Title 1"/>
+          <p:cNvSpPr>
+            <a:spLocks noGrp="1"/>
+          </p:cNvSpPr>
+          <p:nvPr>
+            <p:ph type="title"/>
+          </p:nvPr>
+        </p:nvSpPr>
+        <p:spPr>
+          <a:xfrm>
+            <a:off x="2124223" y="624110"/>
+            <a:ext cx="9380390" cy="1280890"/>
+          </a:xfrm>
+        </p:spPr>
+        <p:txBody>
+          <a:bodyPr>
+            <a:normAutofit/>
+          </a:bodyPr>
+          <a:lstStyle/>
+          <a:p>
+            <a:r>
+              <a:rPr lang="en-GB" sz="2400" b="1" dirty="0"/>
+              <a:t>1.7 Customer Relationship Management and Sales Ordering</a:t>
+            </a:r>
+            <a:endParaRPr lang="en-GB" sz="2400" dirty="0"/>
+          </a:p>
+        </p:txBody>
+      </p:sp>
+      <p:sp>
+        <p:nvSpPr>
+          <p:cNvPr id="3" name="Content Placeholder 2"/>
+          <p:cNvSpPr>
+            <a:spLocks noGrp="1"/>
+          </p:cNvSpPr>
+          <p:nvPr>
+            <p:ph idx="1"/>
+          </p:nvPr>
+        </p:nvSpPr>
+        <p:spPr/>
+        <p:txBody>
+          <a:bodyPr/>
+          <a:lstStyle/>
+          <a:p>
+            <a:pPr marL="0" indent="0">
+              <a:buNone/>
+            </a:pPr>
+            <a:r>
+              <a:rPr lang="en-GB" dirty="0"/>
+              <a:t>A </a:t>
+            </a:r>
+            <a:r>
+              <a:rPr lang="en-GB" b="1" dirty="0"/>
+              <a:t>customer relationship management (CRM) system </a:t>
+            </a:r>
+            <a:r>
+              <a:rPr lang="en-GB" dirty="0"/>
+              <a:t>helps a company manage all aspects of customer encounters, including marketing and advertising, sales, customer service after the sale and programmes to keep and retain loyal customers (see Figure 1.8). The goal of CRM is to understand and anticipate the needs of current and potential customers to increase customer retention and loyalty while optimizing the way that products and services are sold.</a:t>
+            </a:r>
+            <a:endParaRPr lang="en-GB" dirty="0"/>
+          </a:p>
+        </p:txBody>
+      </p:sp>
+      <p:sp>
+        <p:nvSpPr>
+          <p:cNvPr id="4" name="Slide Number Placeholder 3"/>
+          <p:cNvSpPr>
+            <a:spLocks noGrp="1"/>
+          </p:cNvSpPr>
+          <p:nvPr>
+            <p:ph type="sldNum" sz="quarter" idx="12"/>
+          </p:nvPr>
+        </p:nvSpPr>
+        <p:spPr/>
+        <p:txBody>
+          <a:bodyPr/>
+          <a:lstStyle/>
+          <a:p>
+            <a:fld id="{E0912816-C430-4136-9554-B45F9367BD57}" type="slidenum">
+              <a:rPr lang="en-GB" smtClean="0"/>
+              <a:t>30</a:t>
+            </a:fld>
+            <a:endParaRPr lang="en-GB"/>
+          </a:p>
+        </p:txBody>
+      </p:sp>
+    </p:spTree>
+    <p:extLst>
+      <p:ext uri="{BB962C8B-B14F-4D97-AF65-F5344CB8AC3E}">
+        <p14:creationId xmlns:p14="http://schemas.microsoft.com/office/powerpoint/2010/main" val="672677515"/>
+      </p:ext>
+    </p:extLst>
+  </p:cSld>
+  <p:clrMapOvr>
+    <a:masterClrMapping/>
+  </p:clrMapOvr>
+</p:sld>
+</file>
+
+<file path=ppt/slides/slide31.xml><?xml version="1.0" encoding="utf-8"?>
+<p:sld xmlns:a="http://schemas.openxmlformats.org/drawingml/2006/main" xmlns:r="http://schemas.openxmlformats.org/officeDocument/2006/relationships" xmlns:p="http://schemas.openxmlformats.org/presentationml/2006/main">
+  <p:cSld>
+    <p:spTree>
+      <p:nvGrpSpPr>
+        <p:cNvPr id="1" name=""/>
+        <p:cNvGrpSpPr/>
+        <p:nvPr/>
+      </p:nvGrpSpPr>
+      <p:grpSpPr>
+        <a:xfrm>
+          <a:off x="0" y="0"/>
+          <a:ext cx="0" cy="0"/>
+          <a:chOff x="0" y="0"/>
+          <a:chExt cx="0" cy="0"/>
+        </a:xfrm>
+      </p:grpSpPr>
+      <p:sp>
+        <p:nvSpPr>
+          <p:cNvPr id="2" name="Title 1"/>
+          <p:cNvSpPr>
+            <a:spLocks noGrp="1"/>
+          </p:cNvSpPr>
+          <p:nvPr>
+            <p:ph type="title"/>
+          </p:nvPr>
+        </p:nvSpPr>
+        <p:spPr>
+          <a:xfrm>
+            <a:off x="2124223" y="624110"/>
+            <a:ext cx="9380390" cy="1280890"/>
+          </a:xfrm>
+        </p:spPr>
+        <p:txBody>
+          <a:bodyPr>
+            <a:normAutofit/>
+          </a:bodyPr>
+          <a:lstStyle/>
+          <a:p>
+            <a:r>
+              <a:rPr lang="en-GB" sz="2400" b="1" dirty="0"/>
+              <a:t>1.7 Customer Relationship Management and Sales Ordering</a:t>
+            </a:r>
+            <a:endParaRPr lang="en-GB" sz="2400" dirty="0"/>
+          </a:p>
+        </p:txBody>
+      </p:sp>
+      <p:sp>
+        <p:nvSpPr>
+          <p:cNvPr id="4" name="Slide Number Placeholder 3"/>
+          <p:cNvSpPr>
+            <a:spLocks noGrp="1"/>
+          </p:cNvSpPr>
+          <p:nvPr>
+            <p:ph type="sldNum" sz="quarter" idx="12"/>
+          </p:nvPr>
+        </p:nvSpPr>
+        <p:spPr/>
+        <p:txBody>
+          <a:bodyPr/>
+          <a:lstStyle/>
+          <a:p>
+            <a:fld id="{E0912816-C430-4136-9554-B45F9367BD57}" type="slidenum">
+              <a:rPr lang="en-GB" smtClean="0"/>
+              <a:t>31</a:t>
+            </a:fld>
+            <a:endParaRPr lang="en-GB"/>
+          </a:p>
+        </p:txBody>
+      </p:sp>
+      <p:pic>
+        <p:nvPicPr>
+          <p:cNvPr id="6" name="Picture 5"/>
+          <p:cNvPicPr>
+            <a:picLocks noChangeAspect="1"/>
+          </p:cNvPicPr>
+          <p:nvPr/>
+        </p:nvPicPr>
+        <p:blipFill>
+          <a:blip r:embed="rId2"/>
+          <a:stretch>
+            <a:fillRect/>
+          </a:stretch>
+        </p:blipFill>
+        <p:spPr>
+          <a:xfrm>
+            <a:off x="2882642" y="1526265"/>
+            <a:ext cx="6625252" cy="4649452"/>
+          </a:xfrm>
+          <a:prstGeom prst="rect">
+            <a:avLst/>
+          </a:prstGeom>
+        </p:spPr>
+      </p:pic>
+      <p:sp>
+        <p:nvSpPr>
+          <p:cNvPr id="7" name="Rectangle 6"/>
+          <p:cNvSpPr/>
+          <p:nvPr/>
+        </p:nvSpPr>
+        <p:spPr>
+          <a:xfrm>
+            <a:off x="3691362" y="6175717"/>
+            <a:ext cx="5371983" cy="369332"/>
+          </a:xfrm>
+          <a:prstGeom prst="rect">
+            <a:avLst/>
+          </a:prstGeom>
+        </p:spPr>
+        <p:txBody>
+          <a:bodyPr wrap="none">
+            <a:spAutoFit/>
+          </a:bodyPr>
+          <a:lstStyle/>
+          <a:p>
+            <a:r>
+              <a:rPr lang="en-GB" dirty="0">
+                <a:solidFill>
+                  <a:srgbClr val="000000"/>
+                </a:solidFill>
+                <a:latin typeface="Times New Roman" panose="02020603050405020304" pitchFamily="18" charset="0"/>
+              </a:rPr>
+              <a:t>Figure 1.8 Customer Relationship Management System </a:t>
+            </a:r>
+            <a:endParaRPr lang="en-GB" dirty="0"/>
+          </a:p>
+        </p:txBody>
+      </p:sp>
+    </p:spTree>
+    <p:extLst>
+      <p:ext uri="{BB962C8B-B14F-4D97-AF65-F5344CB8AC3E}">
+        <p14:creationId xmlns:p14="http://schemas.microsoft.com/office/powerpoint/2010/main" val="2711745415"/>
+      </p:ext>
+    </p:extLst>
+  </p:cSld>
+  <p:clrMapOvr>
+    <a:masterClrMapping/>
+  </p:clrMapOvr>
+</p:sld>
+</file>
+
+<file path=ppt/slides/slide32.xml><?xml version="1.0" encoding="utf-8"?>
+<p:sld xmlns:a="http://schemas.openxmlformats.org/drawingml/2006/main" xmlns:r="http://schemas.openxmlformats.org/officeDocument/2006/relationships" xmlns:p="http://schemas.openxmlformats.org/presentationml/2006/main">
+  <p:cSld>
+    <p:spTree>
+      <p:nvGrpSpPr>
+        <p:cNvPr id="1" name=""/>
+        <p:cNvGrpSpPr/>
+        <p:nvPr/>
+      </p:nvGrpSpPr>
+      <p:grpSpPr>
+        <a:xfrm>
+          <a:off x="0" y="0"/>
+          <a:ext cx="0" cy="0"/>
+          <a:chOff x="0" y="0"/>
+          <a:chExt cx="0" cy="0"/>
+        </a:xfrm>
+      </p:grpSpPr>
+      <p:sp>
+        <p:nvSpPr>
+          <p:cNvPr id="2" name="Title 1"/>
+          <p:cNvSpPr>
+            <a:spLocks noGrp="1"/>
+          </p:cNvSpPr>
+          <p:nvPr>
+            <p:ph type="title"/>
+          </p:nvPr>
+        </p:nvSpPr>
+        <p:spPr>
+          <a:xfrm>
+            <a:off x="2124223" y="624110"/>
+            <a:ext cx="9380390" cy="1280890"/>
+          </a:xfrm>
+        </p:spPr>
+        <p:txBody>
+          <a:bodyPr>
+            <a:normAutofit/>
+          </a:bodyPr>
+          <a:lstStyle/>
+          <a:p>
+            <a:r>
+              <a:rPr lang="en-GB" sz="2400" b="1" dirty="0"/>
+              <a:t>1.7 Customer Relationship Management and Sales Ordering</a:t>
+            </a:r>
+            <a:endParaRPr lang="en-GB" sz="2400" dirty="0"/>
+          </a:p>
+        </p:txBody>
+      </p:sp>
+      <p:sp>
+        <p:nvSpPr>
+          <p:cNvPr id="3" name="Content Placeholder 2"/>
+          <p:cNvSpPr>
+            <a:spLocks noGrp="1"/>
+          </p:cNvSpPr>
+          <p:nvPr>
+            <p:ph idx="1"/>
+          </p:nvPr>
+        </p:nvSpPr>
+        <p:spPr>
+          <a:xfrm>
+            <a:off x="2532185" y="2133599"/>
+            <a:ext cx="8972427" cy="4323471"/>
+          </a:xfrm>
+        </p:spPr>
+        <p:txBody>
+          <a:bodyPr>
+            <a:normAutofit lnSpcReduction="10000"/>
+          </a:bodyPr>
+          <a:lstStyle/>
+          <a:p>
+            <a:pPr marL="0" indent="0">
+              <a:buNone/>
+            </a:pPr>
+            <a:r>
+              <a:rPr lang="en-GB" sz="2000" b="1" dirty="0">
+                <a:solidFill>
+                  <a:schemeClr val="tx1"/>
+                </a:solidFill>
+              </a:rPr>
+              <a:t>Sales </a:t>
+            </a:r>
+            <a:r>
+              <a:rPr lang="en-GB" sz="2000" b="1" dirty="0" smtClean="0">
+                <a:solidFill>
+                  <a:schemeClr val="tx1"/>
+                </a:solidFill>
+              </a:rPr>
+              <a:t>Ordering:</a:t>
+            </a:r>
+          </a:p>
+          <a:p>
+            <a:pPr marL="0" indent="0">
+              <a:buNone/>
+            </a:pPr>
+            <a:r>
+              <a:rPr lang="en-GB" dirty="0">
+                <a:solidFill>
+                  <a:schemeClr val="tx1"/>
+                </a:solidFill>
+              </a:rPr>
+              <a:t>What is a sales order?</a:t>
+            </a:r>
+          </a:p>
+          <a:p>
+            <a:r>
+              <a:rPr lang="en-GB" dirty="0">
+                <a:solidFill>
+                  <a:schemeClr val="tx1"/>
+                </a:solidFill>
+              </a:rPr>
+              <a:t>A sales order is a document generated by the seller upon receiving a purchase order from a buyer specifying the details about the product or service along with price, quantity, buyer details like the shipping address, billing address, mode of payment and terms and conditions.</a:t>
+            </a:r>
+          </a:p>
+          <a:p>
+            <a:pPr marL="0" indent="0">
+              <a:buNone/>
+            </a:pPr>
+            <a:r>
+              <a:rPr lang="en-GB" b="1" dirty="0">
+                <a:solidFill>
+                  <a:schemeClr val="tx1"/>
+                </a:solidFill>
+              </a:rPr>
+              <a:t>In general practice, businesses follow the steps below.</a:t>
+            </a:r>
+            <a:endParaRPr lang="en-GB" dirty="0">
+              <a:solidFill>
+                <a:schemeClr val="tx1"/>
+              </a:solidFill>
+            </a:endParaRPr>
+          </a:p>
+          <a:p>
+            <a:pPr lvl="1"/>
+            <a:r>
+              <a:rPr lang="en-GB" dirty="0">
+                <a:solidFill>
+                  <a:schemeClr val="tx1"/>
+                </a:solidFill>
+              </a:rPr>
+              <a:t>The seller sends a quote to the customer.</a:t>
+            </a:r>
+          </a:p>
+          <a:p>
+            <a:pPr lvl="1"/>
+            <a:r>
+              <a:rPr lang="en-GB" dirty="0">
+                <a:solidFill>
+                  <a:schemeClr val="tx1"/>
+                </a:solidFill>
+              </a:rPr>
+              <a:t>If accepted, the customer sends the seller a purchase order.</a:t>
+            </a:r>
+          </a:p>
+          <a:p>
+            <a:pPr lvl="1"/>
+            <a:r>
+              <a:rPr lang="en-GB" dirty="0">
+                <a:solidFill>
+                  <a:schemeClr val="tx1"/>
+                </a:solidFill>
+              </a:rPr>
+              <a:t>The seller creates a sales order based on the purchase order.</a:t>
+            </a:r>
+          </a:p>
+          <a:p>
+            <a:pPr lvl="1"/>
+            <a:r>
+              <a:rPr lang="en-GB" dirty="0">
+                <a:solidFill>
+                  <a:schemeClr val="tx1"/>
+                </a:solidFill>
+              </a:rPr>
+              <a:t>The customer may request a sales order to view the exact details of the products, price, terms and delivery dates. Most businesses usually skip this test.</a:t>
+            </a:r>
+          </a:p>
+          <a:p>
+            <a:pPr lvl="1"/>
+            <a:r>
+              <a:rPr lang="en-GB" dirty="0">
+                <a:solidFill>
+                  <a:schemeClr val="tx1"/>
+                </a:solidFill>
+              </a:rPr>
+              <a:t>After the seller ships the products, they create an invoice from the sales order.</a:t>
+            </a:r>
+          </a:p>
+        </p:txBody>
+      </p:sp>
+      <p:sp>
+        <p:nvSpPr>
+          <p:cNvPr id="4" name="Slide Number Placeholder 3"/>
+          <p:cNvSpPr>
+            <a:spLocks noGrp="1"/>
+          </p:cNvSpPr>
+          <p:nvPr>
+            <p:ph type="sldNum" sz="quarter" idx="12"/>
+          </p:nvPr>
+        </p:nvSpPr>
+        <p:spPr/>
+        <p:txBody>
+          <a:bodyPr/>
+          <a:lstStyle/>
+          <a:p>
+            <a:fld id="{E0912816-C430-4136-9554-B45F9367BD57}" type="slidenum">
+              <a:rPr lang="en-GB" smtClean="0"/>
+              <a:t>32</a:t>
+            </a:fld>
+            <a:endParaRPr lang="en-GB"/>
+          </a:p>
+        </p:txBody>
+      </p:sp>
+    </p:spTree>
+    <p:extLst>
+      <p:ext uri="{BB962C8B-B14F-4D97-AF65-F5344CB8AC3E}">
+        <p14:creationId xmlns:p14="http://schemas.microsoft.com/office/powerpoint/2010/main" val="2522997164"/>
+      </p:ext>
+    </p:extLst>
+  </p:cSld>
+  <p:clrMapOvr>
+    <a:masterClrMapping/>
+  </p:clrMapOvr>
+</p:sld>
+</file>
+
+<file path=ppt/slides/slide33.xml><?xml version="1.0" encoding="utf-8"?>
+<p:sld xmlns:a="http://schemas.openxmlformats.org/drawingml/2006/main" xmlns:r="http://schemas.openxmlformats.org/officeDocument/2006/relationships" xmlns:p="http://schemas.openxmlformats.org/presentationml/2006/main">
+  <p:cSld>
+    <p:spTree>
+      <p:nvGrpSpPr>
+        <p:cNvPr id="1" name=""/>
+        <p:cNvGrpSpPr/>
+        <p:nvPr/>
+      </p:nvGrpSpPr>
+      <p:grpSpPr>
+        <a:xfrm>
+          <a:off x="0" y="0"/>
+          <a:ext cx="0" cy="0"/>
+          <a:chOff x="0" y="0"/>
+          <a:chExt cx="0" cy="0"/>
+        </a:xfrm>
+      </p:grpSpPr>
+      <p:sp>
+        <p:nvSpPr>
+          <p:cNvPr id="2" name="Title 1"/>
+          <p:cNvSpPr>
+            <a:spLocks noGrp="1"/>
+          </p:cNvSpPr>
+          <p:nvPr>
+            <p:ph type="title"/>
+          </p:nvPr>
+        </p:nvSpPr>
+        <p:spPr/>
+        <p:txBody>
+          <a:bodyPr>
+            <a:normAutofit/>
+          </a:bodyPr>
+          <a:lstStyle/>
+          <a:p>
+            <a:r>
+              <a:rPr lang="en-GB" sz="3200" b="1" dirty="0"/>
+              <a:t>1.8 Financial and Managerial Accounting</a:t>
+            </a:r>
+            <a:endParaRPr lang="en-GB" sz="3200" dirty="0"/>
+          </a:p>
+        </p:txBody>
+      </p:sp>
+      <p:sp>
+        <p:nvSpPr>
+          <p:cNvPr id="3" name="Content Placeholder 2"/>
+          <p:cNvSpPr>
+            <a:spLocks noGrp="1"/>
+          </p:cNvSpPr>
+          <p:nvPr>
+            <p:ph idx="1"/>
+          </p:nvPr>
+        </p:nvSpPr>
+        <p:spPr/>
+        <p:txBody>
+          <a:bodyPr/>
+          <a:lstStyle/>
+          <a:p>
+            <a:pPr marL="0" indent="0">
+              <a:buNone/>
+            </a:pPr>
+            <a:r>
+              <a:rPr lang="en-GB" dirty="0"/>
+              <a:t>Financial accounting and managerial accounting offer different purposes to a business.</a:t>
+            </a:r>
+          </a:p>
+          <a:p>
+            <a:pPr marL="0" indent="0">
+              <a:buNone/>
+            </a:pPr>
+            <a:r>
+              <a:rPr lang="en-GB" dirty="0"/>
+              <a:t>Financial accounting is the collection of accounting data to create financial statements. While managerial accounting is the internal processing used to account for business transactions.</a:t>
+            </a:r>
+          </a:p>
+          <a:p>
+            <a:pPr marL="0" indent="0">
+              <a:buNone/>
+            </a:pPr>
+            <a:r>
+              <a:rPr lang="en-GB" dirty="0"/>
+              <a:t>The certification for each of these types of accounting is different as well. People who have been trained in financial accounting have a Certified Public Accountant designation, while those with a Certified Management Accountant designation are trained in managerial accounting.</a:t>
+            </a:r>
+          </a:p>
+          <a:p>
+            <a:pPr marL="0" indent="0">
+              <a:buNone/>
+            </a:pPr>
+            <a:endParaRPr lang="en-GB" dirty="0"/>
+          </a:p>
+        </p:txBody>
+      </p:sp>
+      <p:sp>
+        <p:nvSpPr>
+          <p:cNvPr id="4" name="Slide Number Placeholder 3"/>
+          <p:cNvSpPr>
+            <a:spLocks noGrp="1"/>
+          </p:cNvSpPr>
+          <p:nvPr>
+            <p:ph type="sldNum" sz="quarter" idx="12"/>
+          </p:nvPr>
+        </p:nvSpPr>
+        <p:spPr/>
+        <p:txBody>
+          <a:bodyPr/>
+          <a:lstStyle/>
+          <a:p>
+            <a:fld id="{E0912816-C430-4136-9554-B45F9367BD57}" type="slidenum">
+              <a:rPr lang="en-GB" smtClean="0"/>
+              <a:t>33</a:t>
+            </a:fld>
+            <a:endParaRPr lang="en-GB"/>
+          </a:p>
+        </p:txBody>
+      </p:sp>
+    </p:spTree>
+    <p:extLst>
+      <p:ext uri="{BB962C8B-B14F-4D97-AF65-F5344CB8AC3E}">
+        <p14:creationId xmlns:p14="http://schemas.microsoft.com/office/powerpoint/2010/main" val="528103684"/>
+      </p:ext>
+    </p:extLst>
+  </p:cSld>
+  <p:clrMapOvr>
+    <a:masterClrMapping/>
+  </p:clrMapOvr>
+</p:sld>
+</file>
+
+<file path=ppt/slides/slide34.xml><?xml version="1.0" encoding="utf-8"?>
+<p:sld xmlns:a="http://schemas.openxmlformats.org/drawingml/2006/main" xmlns:r="http://schemas.openxmlformats.org/officeDocument/2006/relationships" xmlns:p="http://schemas.openxmlformats.org/presentationml/2006/main">
+  <p:cSld>
+    <p:spTree>
+      <p:nvGrpSpPr>
+        <p:cNvPr id="1" name=""/>
+        <p:cNvGrpSpPr/>
+        <p:nvPr/>
+      </p:nvGrpSpPr>
+      <p:grpSpPr>
+        <a:xfrm>
+          <a:off x="0" y="0"/>
+          <a:ext cx="0" cy="0"/>
+          <a:chOff x="0" y="0"/>
+          <a:chExt cx="0" cy="0"/>
+        </a:xfrm>
+      </p:grpSpPr>
+      <p:sp>
+        <p:nvSpPr>
+          <p:cNvPr id="2" name="Title 1"/>
+          <p:cNvSpPr>
+            <a:spLocks noGrp="1"/>
+          </p:cNvSpPr>
+          <p:nvPr>
+            <p:ph type="title"/>
+          </p:nvPr>
+        </p:nvSpPr>
+        <p:spPr/>
+        <p:txBody>
+          <a:bodyPr>
+            <a:normAutofit/>
+          </a:bodyPr>
+          <a:lstStyle/>
+          <a:p>
+            <a:r>
+              <a:rPr lang="en-GB" sz="3200" b="1" dirty="0"/>
+              <a:t>1.8 Financial and Managerial Accounting</a:t>
+            </a:r>
+            <a:endParaRPr lang="en-GB" sz="3200" dirty="0"/>
+          </a:p>
+        </p:txBody>
+      </p:sp>
+      <p:sp>
+        <p:nvSpPr>
+          <p:cNvPr id="3" name="Content Placeholder 2"/>
+          <p:cNvSpPr>
+            <a:spLocks noGrp="1"/>
+          </p:cNvSpPr>
+          <p:nvPr>
+            <p:ph idx="1"/>
+          </p:nvPr>
+        </p:nvSpPr>
+        <p:spPr>
+          <a:xfrm>
+            <a:off x="2419643" y="1505243"/>
+            <a:ext cx="9084969" cy="4909625"/>
+          </a:xfrm>
+        </p:spPr>
+        <p:txBody>
+          <a:bodyPr>
+            <a:normAutofit fontScale="85000" lnSpcReduction="10000"/>
+          </a:bodyPr>
+          <a:lstStyle/>
+          <a:p>
+            <a:pPr marL="0" indent="0">
+              <a:buNone/>
+            </a:pPr>
+            <a:r>
+              <a:rPr lang="en-GB" dirty="0" smtClean="0"/>
+              <a:t>The </a:t>
+            </a:r>
+            <a:r>
+              <a:rPr lang="en-GB" dirty="0"/>
+              <a:t>following categories also show the differences between financial and managerial accounting.</a:t>
+            </a:r>
+          </a:p>
+          <a:p>
+            <a:pPr marL="0" indent="0">
+              <a:buNone/>
+            </a:pPr>
+            <a:r>
+              <a:rPr lang="en-GB" b="1" cap="all" dirty="0"/>
+              <a:t>SYSTEMS</a:t>
+            </a:r>
+          </a:p>
+          <a:p>
+            <a:r>
+              <a:rPr lang="en-GB" dirty="0"/>
+              <a:t>Financial accounting only cares about generating a profit and not the overall system of how the company works. Conversely, managerial accounting looks for bottleneck operations and examines various ways to enhance profits by eliminating bottleneck issues.</a:t>
+            </a:r>
+          </a:p>
+          <a:p>
+            <a:pPr marL="0" indent="0">
+              <a:buNone/>
+            </a:pPr>
+            <a:r>
+              <a:rPr lang="en-GB" b="1" cap="all" dirty="0"/>
+              <a:t>REPORTING FOCUS</a:t>
+            </a:r>
+          </a:p>
+          <a:p>
+            <a:r>
+              <a:rPr lang="en-GB" dirty="0"/>
+              <a:t>Financial accounting is focused on creating financial statements to be shared internal and external stakeholders and the public. Managerial accounting focuses on operational reporting to be shared within a company.</a:t>
+            </a:r>
+          </a:p>
+          <a:p>
+            <a:pPr marL="0" indent="0">
+              <a:buNone/>
+            </a:pPr>
+            <a:r>
+              <a:rPr lang="en-GB" b="1" cap="all" dirty="0"/>
+              <a:t>AGGREGATION</a:t>
+            </a:r>
+          </a:p>
+          <a:p>
+            <a:r>
+              <a:rPr lang="en-GB" dirty="0"/>
+              <a:t>Financial accounting looks at the entire business while managerial accounting reports at a more detailed level. Managerial accounting focuses on detailed reports like profits by product, product line, customer and geographic region.</a:t>
+            </a:r>
+          </a:p>
+          <a:p>
+            <a:pPr marL="0" indent="0">
+              <a:buNone/>
+            </a:pPr>
+            <a:r>
+              <a:rPr lang="en-GB" b="1" cap="all" dirty="0"/>
+              <a:t>EFFICIENCY</a:t>
+            </a:r>
+          </a:p>
+          <a:p>
+            <a:r>
+              <a:rPr lang="en-GB" dirty="0"/>
+              <a:t>A business’ profitability and efficiency are reported through financial accounting. Managerial accounting reports on what is causing a problem and how to fix that problem.</a:t>
+            </a:r>
+          </a:p>
+        </p:txBody>
+      </p:sp>
+      <p:sp>
+        <p:nvSpPr>
+          <p:cNvPr id="4" name="Slide Number Placeholder 3"/>
+          <p:cNvSpPr>
+            <a:spLocks noGrp="1"/>
+          </p:cNvSpPr>
+          <p:nvPr>
+            <p:ph type="sldNum" sz="quarter" idx="12"/>
+          </p:nvPr>
+        </p:nvSpPr>
+        <p:spPr/>
+        <p:txBody>
+          <a:bodyPr/>
+          <a:lstStyle/>
+          <a:p>
+            <a:fld id="{E0912816-C430-4136-9554-B45F9367BD57}" type="slidenum">
+              <a:rPr lang="en-GB" smtClean="0"/>
+              <a:t>34</a:t>
+            </a:fld>
+            <a:endParaRPr lang="en-GB"/>
+          </a:p>
+        </p:txBody>
+      </p:sp>
+    </p:spTree>
+    <p:extLst>
+      <p:ext uri="{BB962C8B-B14F-4D97-AF65-F5344CB8AC3E}">
+        <p14:creationId xmlns:p14="http://schemas.microsoft.com/office/powerpoint/2010/main" val="4165806701"/>
+      </p:ext>
+    </p:extLst>
+  </p:cSld>
+  <p:clrMapOvr>
+    <a:masterClrMapping/>
+  </p:clrMapOvr>
+</p:sld>
+</file>
+
+<file path=ppt/slides/slide35.xml><?xml version="1.0" encoding="utf-8"?>
+<p:sld xmlns:a="http://schemas.openxmlformats.org/drawingml/2006/main" xmlns:r="http://schemas.openxmlformats.org/officeDocument/2006/relationships" xmlns:p="http://schemas.openxmlformats.org/presentationml/2006/main">
+  <p:cSld>
+    <p:spTree>
+      <p:nvGrpSpPr>
+        <p:cNvPr id="1" name=""/>
+        <p:cNvGrpSpPr/>
+        <p:nvPr/>
+      </p:nvGrpSpPr>
+      <p:grpSpPr>
+        <a:xfrm>
+          <a:off x="0" y="0"/>
+          <a:ext cx="0" cy="0"/>
+          <a:chOff x="0" y="0"/>
+          <a:chExt cx="0" cy="0"/>
+        </a:xfrm>
+      </p:grpSpPr>
+      <p:sp>
+        <p:nvSpPr>
+          <p:cNvPr id="2" name="Title 1"/>
+          <p:cNvSpPr>
+            <a:spLocks noGrp="1"/>
+          </p:cNvSpPr>
+          <p:nvPr>
+            <p:ph type="title"/>
+          </p:nvPr>
+        </p:nvSpPr>
+        <p:spPr/>
+        <p:txBody>
+          <a:bodyPr>
+            <a:normAutofit/>
+          </a:bodyPr>
+          <a:lstStyle/>
+          <a:p>
+            <a:r>
+              <a:rPr lang="en-GB" sz="2800" b="1" dirty="0"/>
+              <a:t>1.9 International Issues Associated with Operational Systems</a:t>
+            </a:r>
+            <a:endParaRPr lang="en-GB" sz="2800" dirty="0"/>
+          </a:p>
+        </p:txBody>
+      </p:sp>
+      <p:sp>
+        <p:nvSpPr>
+          <p:cNvPr id="3" name="Content Placeholder 2"/>
+          <p:cNvSpPr>
+            <a:spLocks noGrp="1"/>
+          </p:cNvSpPr>
+          <p:nvPr>
+            <p:ph idx="1"/>
+          </p:nvPr>
+        </p:nvSpPr>
+        <p:spPr/>
+        <p:txBody>
+          <a:bodyPr/>
+          <a:lstStyle/>
+          <a:p>
+            <a:pPr marL="0" indent="0">
+              <a:buNone/>
+            </a:pPr>
+            <a:r>
+              <a:rPr lang="en-GB" dirty="0"/>
+              <a:t>Operational systems must support businesses that transact with customers, suppliers, business partners, shareholders and government agencies in multiple countries. Different languages and cultures, disparities in IS infrastructure, varying laws and customs rules, and multiple </a:t>
+            </a:r>
+            <a:r>
+              <a:rPr lang="en-GB" dirty="0" smtClean="0"/>
+              <a:t>currencies</a:t>
+            </a:r>
+          </a:p>
+          <a:p>
+            <a:pPr marL="0" indent="0">
+              <a:buNone/>
+            </a:pPr>
+            <a:r>
+              <a:rPr lang="en-GB" b="1" dirty="0"/>
+              <a:t>Different Languages and </a:t>
+            </a:r>
+            <a:r>
+              <a:rPr lang="en-GB" b="1" dirty="0" smtClean="0"/>
+              <a:t>Cultures</a:t>
+            </a:r>
+            <a:endParaRPr lang="en-GB" b="1" dirty="0"/>
+          </a:p>
+          <a:p>
+            <a:r>
+              <a:rPr lang="en-GB" dirty="0"/>
+              <a:t>Teams composed of people from several countries speaking different languages and familiar with different cultures might not agree on a single work process. In some cultures, people do not routinely work in teams in a networked environment. Despite these complications, many multinational companies can establish close connections with their business partners and roll out standard IS applications for all to use.</a:t>
+            </a:r>
+            <a:endParaRPr lang="en-GB" dirty="0"/>
+          </a:p>
+        </p:txBody>
+      </p:sp>
+      <p:sp>
+        <p:nvSpPr>
+          <p:cNvPr id="4" name="Slide Number Placeholder 3"/>
+          <p:cNvSpPr>
+            <a:spLocks noGrp="1"/>
+          </p:cNvSpPr>
+          <p:nvPr>
+            <p:ph type="sldNum" sz="quarter" idx="12"/>
+          </p:nvPr>
+        </p:nvSpPr>
+        <p:spPr/>
+        <p:txBody>
+          <a:bodyPr/>
+          <a:lstStyle/>
+          <a:p>
+            <a:fld id="{E0912816-C430-4136-9554-B45F9367BD57}" type="slidenum">
+              <a:rPr lang="en-GB" smtClean="0"/>
+              <a:t>35</a:t>
+            </a:fld>
+            <a:endParaRPr lang="en-GB"/>
+          </a:p>
+        </p:txBody>
+      </p:sp>
+    </p:spTree>
+    <p:extLst>
+      <p:ext uri="{BB962C8B-B14F-4D97-AF65-F5344CB8AC3E}">
+        <p14:creationId xmlns:p14="http://schemas.microsoft.com/office/powerpoint/2010/main" val="882253044"/>
+      </p:ext>
+    </p:extLst>
+  </p:cSld>
+  <p:clrMapOvr>
+    <a:masterClrMapping/>
+  </p:clrMapOvr>
+</p:sld>
+</file>
+
+<file path=ppt/slides/slide36.xml><?xml version="1.0" encoding="utf-8"?>
+<p:sld xmlns:a="http://schemas.openxmlformats.org/drawingml/2006/main" xmlns:r="http://schemas.openxmlformats.org/officeDocument/2006/relationships" xmlns:p="http://schemas.openxmlformats.org/presentationml/2006/main">
+  <p:cSld>
+    <p:spTree>
+      <p:nvGrpSpPr>
+        <p:cNvPr id="1" name=""/>
+        <p:cNvGrpSpPr/>
+        <p:nvPr/>
+      </p:nvGrpSpPr>
+      <p:grpSpPr>
+        <a:xfrm>
+          <a:off x="0" y="0"/>
+          <a:ext cx="0" cy="0"/>
+          <a:chOff x="0" y="0"/>
+          <a:chExt cx="0" cy="0"/>
+        </a:xfrm>
+      </p:grpSpPr>
+      <p:sp>
+        <p:nvSpPr>
+          <p:cNvPr id="2" name="Title 1"/>
+          <p:cNvSpPr>
+            <a:spLocks noGrp="1"/>
+          </p:cNvSpPr>
+          <p:nvPr>
+            <p:ph type="title"/>
+          </p:nvPr>
+        </p:nvSpPr>
+        <p:spPr/>
+        <p:txBody>
+          <a:bodyPr>
+            <a:normAutofit/>
+          </a:bodyPr>
+          <a:lstStyle/>
+          <a:p>
+            <a:r>
+              <a:rPr lang="en-GB" sz="2800" b="1" dirty="0"/>
+              <a:t>1.9 International Issues Associated with Operational Systems</a:t>
+            </a:r>
+            <a:endParaRPr lang="en-GB" sz="2800" dirty="0"/>
+          </a:p>
+        </p:txBody>
+      </p:sp>
+      <p:sp>
+        <p:nvSpPr>
+          <p:cNvPr id="3" name="Content Placeholder 2"/>
+          <p:cNvSpPr>
+            <a:spLocks noGrp="1"/>
+          </p:cNvSpPr>
+          <p:nvPr>
+            <p:ph idx="1"/>
+          </p:nvPr>
+        </p:nvSpPr>
+        <p:spPr/>
+        <p:txBody>
+          <a:bodyPr/>
+          <a:lstStyle/>
+          <a:p>
+            <a:pPr marL="0" indent="0">
+              <a:buNone/>
+            </a:pPr>
+            <a:r>
+              <a:rPr lang="en-GB" b="1" dirty="0"/>
+              <a:t>Varying Laws and Customs Rules </a:t>
+            </a:r>
+          </a:p>
+          <a:p>
+            <a:r>
+              <a:rPr lang="en-GB" dirty="0"/>
+              <a:t>Numerous laws can affect the collection and dissemination of data. For example, labour laws in some countries prohibit the recording of worker performance data</a:t>
+            </a:r>
+            <a:r>
+              <a:rPr lang="en-GB" dirty="0" smtClean="0"/>
+              <a:t>.</a:t>
+            </a:r>
+          </a:p>
+          <a:p>
+            <a:pPr marL="0" indent="0">
+              <a:buNone/>
+            </a:pPr>
+            <a:r>
+              <a:rPr lang="en-GB" b="1" dirty="0"/>
+              <a:t>Multiple Currencies </a:t>
+            </a:r>
+          </a:p>
+          <a:p>
+            <a:r>
+              <a:rPr lang="en-GB" dirty="0"/>
+              <a:t>The enterprise system of multinational companies must conduct transactions in multiple currencies. To do so, a set of exchange rates is defined, and the information systems apply these rates to translate from one currency to another.</a:t>
+            </a:r>
+            <a:endParaRPr lang="en-GB" dirty="0"/>
+          </a:p>
+        </p:txBody>
+      </p:sp>
+      <p:sp>
+        <p:nvSpPr>
+          <p:cNvPr id="4" name="Slide Number Placeholder 3"/>
+          <p:cNvSpPr>
+            <a:spLocks noGrp="1"/>
+          </p:cNvSpPr>
+          <p:nvPr>
+            <p:ph type="sldNum" sz="quarter" idx="12"/>
+          </p:nvPr>
+        </p:nvSpPr>
+        <p:spPr/>
+        <p:txBody>
+          <a:bodyPr/>
+          <a:lstStyle/>
+          <a:p>
+            <a:fld id="{E0912816-C430-4136-9554-B45F9367BD57}" type="slidenum">
+              <a:rPr lang="en-GB" smtClean="0"/>
+              <a:t>36</a:t>
+            </a:fld>
+            <a:endParaRPr lang="en-GB"/>
+          </a:p>
+        </p:txBody>
+      </p:sp>
+    </p:spTree>
+    <p:extLst>
+      <p:ext uri="{BB962C8B-B14F-4D97-AF65-F5344CB8AC3E}">
+        <p14:creationId xmlns:p14="http://schemas.microsoft.com/office/powerpoint/2010/main" val="2310850919"/>
+      </p:ext>
+    </p:extLst>
+  </p:cSld>
+  <p:clrMapOvr>
+    <a:masterClrMapping/>
+  </p:clrMapOvr>
+</p:sld>
+</file>
+
+<file path=ppt/slides/slide37.xml><?xml version="1.0" encoding="utf-8"?>
+<p:sld xmlns:a="http://schemas.openxmlformats.org/drawingml/2006/main" xmlns:r="http://schemas.openxmlformats.org/officeDocument/2006/relationships" xmlns:p="http://schemas.openxmlformats.org/presentationml/2006/main">
+  <p:cSld>
+    <p:spTree>
+      <p:nvGrpSpPr>
+        <p:cNvPr id="1" name=""/>
+        <p:cNvGrpSpPr/>
+        <p:nvPr/>
+      </p:nvGrpSpPr>
+      <p:grpSpPr>
+        <a:xfrm>
+          <a:off x="0" y="0"/>
+          <a:ext cx="0" cy="0"/>
+          <a:chOff x="0" y="0"/>
+          <a:chExt cx="0" cy="0"/>
+        </a:xfrm>
+      </p:grpSpPr>
+      <p:sp>
+        <p:nvSpPr>
+          <p:cNvPr id="3" name="Content Placeholder 2"/>
+          <p:cNvSpPr>
+            <a:spLocks noGrp="1"/>
+          </p:cNvSpPr>
+          <p:nvPr>
+            <p:ph idx="1"/>
+          </p:nvPr>
+        </p:nvSpPr>
+        <p:spPr/>
+        <p:txBody>
+          <a:bodyPr>
+            <a:normAutofit/>
+          </a:bodyPr>
+          <a:lstStyle/>
+          <a:p>
+            <a:pPr marL="0" indent="0" algn="ctr">
+              <a:buNone/>
+            </a:pPr>
+            <a:endParaRPr lang="en-US" sz="7200" b="1" dirty="0" smtClean="0"/>
+          </a:p>
+          <a:p>
+            <a:pPr marL="0" indent="0" algn="ctr">
+              <a:buNone/>
+            </a:pPr>
+            <a:r>
+              <a:rPr lang="en-US" sz="7200" b="1" smtClean="0"/>
+              <a:t>The End!!!</a:t>
+            </a:r>
+            <a:endParaRPr lang="en-US" sz="7200" b="1" dirty="0" smtClean="0"/>
+          </a:p>
+        </p:txBody>
+      </p:sp>
+      <p:sp>
+        <p:nvSpPr>
+          <p:cNvPr id="4" name="Slide Number Placeholder 3"/>
+          <p:cNvSpPr>
+            <a:spLocks noGrp="1"/>
+          </p:cNvSpPr>
+          <p:nvPr>
+            <p:ph type="sldNum" sz="quarter" idx="12"/>
+          </p:nvPr>
+        </p:nvSpPr>
+        <p:spPr/>
+        <p:txBody>
+          <a:bodyPr/>
+          <a:lstStyle/>
+          <a:p>
+            <a:fld id="{E0912816-C430-4136-9554-B45F9367BD57}" type="slidenum">
+              <a:rPr lang="en-GB" smtClean="0"/>
+              <a:t>37</a:t>
+            </a:fld>
+            <a:endParaRPr lang="en-GB"/>
+          </a:p>
+        </p:txBody>
+      </p:sp>
+    </p:spTree>
+    <p:extLst>
+      <p:ext uri="{BB962C8B-B14F-4D97-AF65-F5344CB8AC3E}">
+        <p14:creationId xmlns:p14="http://schemas.microsoft.com/office/powerpoint/2010/main" val="2863848282"/>
       </p:ext>
     </p:extLst>
   </p:cSld>
